--- a/Semestral/Presentation.pptx
+++ b/Semestral/Presentation.pptx
@@ -18,6 +18,8 @@
     <p:sldId id="263" r:id="rId15"/>
     <p:sldId id="264" r:id="rId16"/>
     <p:sldId id="265" r:id="rId17"/>
+    <p:sldId id="266" r:id="rId18"/>
+    <p:sldId id="267" r:id="rId19"/>
   </p:sldIdLst>
   <p:sldSz cx="24384000" cy="13716000"/>
   <p:notesSz cx="6858000" cy="9144000"/>
@@ -3940,7 +3942,234 @@
       </p:grpSpPr>
       <p:sp>
         <p:nvSpPr>
-          <p:cNvPr id="201" name="Děkují za pozornost"/>
+          <p:cNvPr id="227" name="Realizace"/>
+          <p:cNvSpPr txBox="1"/>
+          <p:nvPr>
+            <p:ph type="title"/>
+          </p:nvPr>
+        </p:nvSpPr>
+        <p:spPr>
+          <a:prstGeom prst="rect">
+            <a:avLst/>
+          </a:prstGeom>
+        </p:spPr>
+        <p:txBody>
+          <a:bodyPr/>
+          <a:lstStyle/>
+          <a:p>
+            <a:pPr/>
+            <a:r>
+              <a:t>Realizace</a:t>
+            </a:r>
+          </a:p>
+        </p:txBody>
+      </p:sp>
+      <p:sp>
+        <p:nvSpPr>
+          <p:cNvPr id="228" name="BST.h &amp; BST_En.h"/>
+          <p:cNvSpPr txBox="1"/>
+          <p:nvPr>
+            <p:ph type="body" idx="21"/>
+          </p:nvPr>
+        </p:nvSpPr>
+        <p:spPr>
+          <a:prstGeom prst="rect">
+            <a:avLst/>
+          </a:prstGeom>
+          <a:extLst>
+            <a:ext uri="{C572A759-6A51-4108-AA02-DFA0A04FC94B}">
+              <ma14:wrappingTextBoxFlag xmlns:ma14="http://schemas.microsoft.com/office/mac/drawingml/2011/main" val="1"/>
+            </a:ext>
+          </a:extLst>
+        </p:spPr>
+        <p:txBody>
+          <a:bodyPr/>
+          <a:lstStyle>
+            <a:lvl1pPr>
+              <a:defRPr i="1"/>
+            </a:lvl1pPr>
+          </a:lstStyle>
+          <a:p>
+            <a:pPr/>
+            <a:r>
+              <a:t>BST.h &amp; BST_En.h</a:t>
+            </a:r>
+          </a:p>
+        </p:txBody>
+      </p:sp>
+      <p:pic>
+        <p:nvPicPr>
+          <p:cNvPr id="229" name="Image" descr="Image"/>
+          <p:cNvPicPr>
+            <a:picLocks noChangeAspect="1"/>
+          </p:cNvPicPr>
+          <p:nvPr/>
+        </p:nvPicPr>
+        <p:blipFill>
+          <a:blip r:embed="rId2">
+            <a:extLst/>
+          </a:blip>
+          <a:stretch>
+            <a:fillRect/>
+          </a:stretch>
+        </p:blipFill>
+        <p:spPr>
+          <a:xfrm>
+            <a:off x="1047302" y="4541953"/>
+            <a:ext cx="13130947" cy="6704769"/>
+          </a:xfrm>
+          <a:prstGeom prst="rect">
+            <a:avLst/>
+          </a:prstGeom>
+          <a:ln w="12700">
+            <a:miter lim="400000"/>
+          </a:ln>
+        </p:spPr>
+      </p:pic>
+      <p:pic>
+        <p:nvPicPr>
+          <p:cNvPr id="230" name="Image" descr="Image"/>
+          <p:cNvPicPr>
+            <a:picLocks noChangeAspect="1"/>
+          </p:cNvPicPr>
+          <p:nvPr/>
+        </p:nvPicPr>
+        <p:blipFill>
+          <a:blip r:embed="rId3">
+            <a:extLst/>
+          </a:blip>
+          <a:stretch>
+            <a:fillRect/>
+          </a:stretch>
+        </p:blipFill>
+        <p:spPr>
+          <a:xfrm>
+            <a:off x="14535387" y="4582386"/>
+            <a:ext cx="8801311" cy="6623903"/>
+          </a:xfrm>
+          <a:prstGeom prst="rect">
+            <a:avLst/>
+          </a:prstGeom>
+          <a:ln w="12700">
+            <a:miter lim="400000"/>
+          </a:ln>
+        </p:spPr>
+      </p:pic>
+    </p:spTree>
+  </p:cSld>
+  <p:clrMapOvr>
+    <a:masterClrMapping/>
+  </p:clrMapOvr>
+  <p:transition xmlns:p14="http://schemas.microsoft.com/office/powerpoint/2010/main" spd="med" advClick="1"/>
+</p:sld>
+</file>
+
+<file path=ppt/slides/slide11.xml><?xml version="1.0" encoding="utf-8"?>
+<p:sld xmlns:a="http://schemas.openxmlformats.org/drawingml/2006/main" xmlns:r="http://schemas.openxmlformats.org/officeDocument/2006/relationships" xmlns:p="http://schemas.openxmlformats.org/presentationml/2006/main" xmlns:m="http://schemas.openxmlformats.org/officeDocument/2006/math" xmlns:a14="http://schemas.microsoft.com/office/drawing/2010/main" showMasterSp="1" showMasterPhAnim="1">
+  <p:cSld>
+    <p:spTree>
+      <p:nvGrpSpPr>
+        <p:cNvPr id="1" name=""/>
+        <p:cNvGrpSpPr/>
+        <p:nvPr/>
+      </p:nvGrpSpPr>
+      <p:grpSpPr>
+        <a:xfrm>
+          <a:off x="0" y="0"/>
+          <a:ext cx="0" cy="0"/>
+          <a:chOff x="0" y="0"/>
+          <a:chExt cx="0" cy="0"/>
+        </a:xfrm>
+      </p:grpSpPr>
+      <p:sp>
+        <p:nvSpPr>
+          <p:cNvPr id="232" name="Poznamki"/>
+          <p:cNvSpPr txBox="1"/>
+          <p:nvPr>
+            <p:ph type="title"/>
+          </p:nvPr>
+        </p:nvSpPr>
+        <p:spPr>
+          <a:prstGeom prst="rect">
+            <a:avLst/>
+          </a:prstGeom>
+        </p:spPr>
+        <p:txBody>
+          <a:bodyPr/>
+          <a:lstStyle/>
+          <a:p>
+            <a:pPr/>
+            <a:r>
+              <a:t>Poznamki</a:t>
+            </a:r>
+          </a:p>
+        </p:txBody>
+      </p:sp>
+      <p:sp>
+        <p:nvSpPr>
+          <p:cNvPr id="233" name="Proč nevyvážený…"/>
+          <p:cNvSpPr txBox="1"/>
+          <p:nvPr>
+            <p:ph type="body" idx="1"/>
+          </p:nvPr>
+        </p:nvSpPr>
+        <p:spPr>
+          <a:prstGeom prst="rect">
+            <a:avLst/>
+          </a:prstGeom>
+        </p:spPr>
+        <p:txBody>
+          <a:bodyPr/>
+          <a:lstStyle/>
+          <a:p>
+            <a:pPr/>
+            <a:r>
+              <a:t>Proč nevyvážený</a:t>
+            </a:r>
+          </a:p>
+          <a:p>
+            <a:pPr/>
+            <a:r>
+              <a:t>Proč 2 stromy</a:t>
+            </a:r>
+          </a:p>
+          <a:p>
+            <a:pPr/>
+            <a:r>
+              <a:t>Co vylepšit (kolizie)</a:t>
+            </a:r>
+          </a:p>
+        </p:txBody>
+      </p:sp>
+    </p:spTree>
+  </p:cSld>
+  <p:clrMapOvr>
+    <a:masterClrMapping/>
+  </p:clrMapOvr>
+  <p:transition xmlns:p14="http://schemas.microsoft.com/office/powerpoint/2010/main" spd="med" advClick="1"/>
+</p:sld>
+</file>
+
+<file path=ppt/slides/slide12.xml><?xml version="1.0" encoding="utf-8"?>
+<p:sld xmlns:a="http://schemas.openxmlformats.org/drawingml/2006/main" xmlns:r="http://schemas.openxmlformats.org/officeDocument/2006/relationships" xmlns:p="http://schemas.openxmlformats.org/presentationml/2006/main" xmlns:m="http://schemas.openxmlformats.org/officeDocument/2006/math" xmlns:a14="http://schemas.microsoft.com/office/drawing/2010/main" showMasterSp="1" showMasterPhAnim="1">
+  <p:cSld>
+    <p:spTree>
+      <p:nvGrpSpPr>
+        <p:cNvPr id="1" name=""/>
+        <p:cNvGrpSpPr/>
+        <p:nvPr/>
+      </p:nvGrpSpPr>
+      <p:grpSpPr>
+        <a:xfrm>
+          <a:off x="0" y="0"/>
+          <a:ext cx="0" cy="0"/>
+          <a:chOff x="0" y="0"/>
+          <a:chExt cx="0" cy="0"/>
+        </a:xfrm>
+      </p:grpSpPr>
+      <p:sp>
+        <p:nvSpPr>
+          <p:cNvPr id="235" name="Děkují za pozornost"/>
           <p:cNvSpPr txBox="1"/>
           <p:nvPr>
             <p:ph type="body" sz="half" idx="1"/>
@@ -4023,7 +4252,7 @@
         <p:spPr>
           <a:xfrm>
             <a:off x="1206500" y="2874090"/>
-            <a:ext cx="21971000" cy="3543034"/>
+            <a:ext cx="21971000" cy="3543035"/>
           </a:xfrm>
           <a:prstGeom prst="rect">
             <a:avLst/>
@@ -4278,7 +4507,7 @@
       </p:pic>
       <p:sp>
         <p:nvSpPr>
-          <p:cNvPr id="162" name="a.k.a. co umí můj slovník"/>
+          <p:cNvPr id="162" name="co umí můj slovník"/>
           <p:cNvSpPr txBox="1"/>
           <p:nvPr/>
         </p:nvSpPr>
@@ -4315,7 +4544,7 @@
           <a:p>
             <a:pPr/>
             <a:r>
-              <a:t>a.k.a. co umí můj slovník</a:t>
+              <a:t>co umí můj slovník</a:t>
             </a:r>
           </a:p>
         </p:txBody>
@@ -4372,7 +4601,7 @@
       </p:sp>
       <p:sp>
         <p:nvSpPr>
-          <p:cNvPr id="165" name="Datová struktura: BST (nevyvážený)…"/>
+          <p:cNvPr id="165" name="Datová struktura: BST…"/>
           <p:cNvSpPr txBox="1"/>
           <p:nvPr>
             <p:ph type="body" sz="half" idx="1"/>
@@ -4393,14 +4622,7 @@
           <a:p>
             <a:pPr/>
             <a:r>
-              <a:t>Datová struktura: BST (</a:t>
-            </a:r>
-            <a:r>
-              <a:rPr i="1"/>
-              <a:t>nevyvážený</a:t>
-            </a:r>
-            <a:r>
-              <a:t>)</a:t>
+              <a:t>Datová struktura: BST </a:t>
             </a:r>
           </a:p>
           <a:p>
@@ -4518,22 +4740,6 @@
               </a:defRPr>
             </a:pPr>
             <a:r>
-              <a:t>Cs slovo (string word)</a:t>
-            </a:r>
-          </a:p>
-          <a:p>
-            <a:pPr defTabSz="825500">
-              <a:defRPr sz="3200">
-                <a:solidFill>
-                  <a:srgbClr val="000000"/>
-                </a:solidFill>
-                <a:latin typeface="Helvetica Neue Medium"/>
-                <a:ea typeface="Helvetica Neue Medium"/>
-                <a:cs typeface="Helvetica Neue Medium"/>
-                <a:sym typeface="Helvetica Neue Medium"/>
-              </a:defRPr>
-            </a:pPr>
-            <a:r>
               <a:t>EN pŕeklad</a:t>
             </a:r>
           </a:p>
@@ -4796,7 +5002,7 @@
         </p:nvSpPr>
         <p:spPr>
           <a:xfrm>
-            <a:off x="14471705" y="10950801"/>
+            <a:off x="15499183" y="10950801"/>
             <a:ext cx="5688990" cy="2360701"/>
           </a:xfrm>
           <a:prstGeom prst="rect">
@@ -4854,11 +5060,7 @@
             <a:pPr defTabSz="825500">
               <a:defRPr sz="3200">
                 <a:solidFill>
-                  <a:schemeClr val="accent5">
-                    <a:hueOff val="-82419"/>
-                    <a:satOff val="-9513"/>
-                    <a:lumOff val="-16343"/>
-                  </a:schemeClr>
+                  <a:srgbClr val="000000"/>
                 </a:solidFill>
                 <a:latin typeface="Helvetica Neue Medium"/>
                 <a:ea typeface="Helvetica Neue Medium"/>
@@ -4867,11 +5069,7 @@
               </a:defRPr>
             </a:pPr>
             <a:r>
-              <a:t>P O I N T E R</a:t>
-            </a:r>
-            <a:br/>
-            <a:r>
-              <a:t>na BST Node</a:t>
+              <a:t>Cs slovo</a:t>
             </a:r>
           </a:p>
         </p:txBody>
@@ -4884,8 +5082,8 @@
         </p:nvSpPr>
         <p:spPr>
           <a:xfrm>
-            <a:off x="15088423" y="404498"/>
-            <a:ext cx="4455554" cy="1191783"/>
+            <a:off x="16115902" y="404498"/>
+            <a:ext cx="4455553" cy="1191783"/>
           </a:xfrm>
           <a:prstGeom prst="rect">
             <a:avLst/>
@@ -4937,8 +5135,8 @@
         </p:nvSpPr>
         <p:spPr>
           <a:xfrm>
-            <a:off x="15088423" y="3189486"/>
-            <a:ext cx="4455554" cy="1191783"/>
+            <a:off x="16115902" y="3189486"/>
+            <a:ext cx="4455553" cy="1191783"/>
           </a:xfrm>
           <a:prstGeom prst="rect">
             <a:avLst/>
@@ -4990,7 +5188,7 @@
         </p:nvSpPr>
         <p:spPr>
           <a:xfrm rot="5400000">
-            <a:off x="16681199" y="1757883"/>
+            <a:off x="17708678" y="1757883"/>
             <a:ext cx="1270001" cy="1270001"/>
           </a:xfrm>
           <a:prstGeom prst="rightArrow">
@@ -5032,7 +5230,7 @@
         </p:nvSpPr>
         <p:spPr>
           <a:xfrm rot="5400000">
-            <a:off x="16681199" y="4696900"/>
+            <a:off x="17708678" y="4696900"/>
             <a:ext cx="1270001" cy="1270001"/>
           </a:xfrm>
           <a:prstGeom prst="rightArrow">
@@ -5084,7 +5282,7 @@
         </p:blipFill>
         <p:spPr>
           <a:xfrm>
-            <a:off x="14471705" y="6282532"/>
+            <a:off x="15499183" y="6282532"/>
             <a:ext cx="5688990" cy="4526749"/>
           </a:xfrm>
           <a:prstGeom prst="rect">
@@ -5102,9 +5300,9 @@
           <p:nvPr/>
         </p:nvSpPr>
         <p:spPr>
-          <a:xfrm>
-            <a:off x="15061948" y="9412519"/>
-            <a:ext cx="571456" cy="2053913"/>
+          <a:xfrm flipH="1">
+            <a:off x="19656489" y="10562988"/>
+            <a:ext cx="183837" cy="906213"/>
           </a:xfrm>
           <a:prstGeom prst="line">
             <a:avLst/>
@@ -5125,16 +5323,1460 @@
           </a:p>
         </p:txBody>
       </p:sp>
-      <p:sp>
-        <p:nvSpPr>
-          <p:cNvPr id="181" name="Line"/>
+    </p:spTree>
+  </p:cSld>
+  <p:clrMapOvr>
+    <a:masterClrMapping/>
+  </p:clrMapOvr>
+  <p:transition xmlns:p14="http://schemas.microsoft.com/office/powerpoint/2010/main" spd="med" advClick="1"/>
+</p:sld>
+</file>
+
+<file path=ppt/slides/slide6.xml><?xml version="1.0" encoding="utf-8"?>
+<p:sld xmlns:a="http://schemas.openxmlformats.org/drawingml/2006/main" xmlns:r="http://schemas.openxmlformats.org/officeDocument/2006/relationships" xmlns:p="http://schemas.openxmlformats.org/presentationml/2006/main" xmlns:m="http://schemas.openxmlformats.org/officeDocument/2006/math" xmlns:a14="http://schemas.microsoft.com/office/drawing/2010/main" showMasterSp="1" showMasterPhAnim="1">
+  <p:cSld>
+    <p:spTree>
+      <p:nvGrpSpPr>
+        <p:cNvPr id="1" name=""/>
+        <p:cNvGrpSpPr/>
+        <p:nvPr/>
+      </p:nvGrpSpPr>
+      <p:grpSpPr>
+        <a:xfrm>
+          <a:off x="0" y="0"/>
+          <a:ext cx="0" cy="0"/>
+          <a:chOff x="0" y="0"/>
+          <a:chExt cx="0" cy="0"/>
+        </a:xfrm>
+      </p:grpSpPr>
+      <p:sp>
+        <p:nvSpPr>
+          <p:cNvPr id="182" name="BST Node…"/>
           <p:cNvSpPr/>
           <p:nvPr/>
         </p:nvSpPr>
         <p:spPr>
+          <a:xfrm>
+            <a:off x="2362644" y="10950801"/>
+            <a:ext cx="5688990" cy="2360701"/>
+          </a:xfrm>
+          <a:prstGeom prst="rect">
+            <a:avLst/>
+          </a:prstGeom>
+          <a:solidFill>
+            <a:schemeClr val="accent2">
+              <a:hueOff val="-85258"/>
+              <a:satOff val="14347"/>
+              <a:lumOff val="22373"/>
+            </a:schemeClr>
+          </a:solidFill>
+          <a:ln w="12700">
+            <a:miter lim="400000"/>
+          </a:ln>
+          <a:extLst>
+            <a:ext uri="{C572A759-6A51-4108-AA02-DFA0A04FC94B}">
+              <ma14:wrappingTextBoxFlag xmlns:ma14="http://schemas.microsoft.com/office/mac/drawingml/2011/main" val="1"/>
+            </a:ext>
+          </a:extLst>
+        </p:spPr>
+        <p:txBody>
+          <a:bodyPr lIns="50800" tIns="50800" rIns="50800" bIns="50800"/>
+          <a:lstStyle/>
+          <a:p>
+            <a:pPr defTabSz="825500">
+              <a:defRPr sz="3200">
+                <a:solidFill>
+                  <a:srgbClr val="000000"/>
+                </a:solidFill>
+                <a:latin typeface="Helvetica Neue Medium"/>
+                <a:ea typeface="Helvetica Neue Medium"/>
+                <a:cs typeface="Helvetica Neue Medium"/>
+                <a:sym typeface="Helvetica Neue Medium"/>
+              </a:defRPr>
+            </a:pPr>
+            <a:r>
+              <a:t>BST Node</a:t>
+            </a:r>
+          </a:p>
+          <a:p>
+            <a:pPr defTabSz="825500">
+              <a:defRPr sz="3200">
+                <a:solidFill>
+                  <a:srgbClr val="000000"/>
+                </a:solidFill>
+                <a:latin typeface="Helvetica Neue Medium"/>
+                <a:ea typeface="Helvetica Neue Medium"/>
+                <a:cs typeface="Helvetica Neue Medium"/>
+                <a:sym typeface="Helvetica Neue Medium"/>
+              </a:defRPr>
+            </a:pPr>
+          </a:p>
+          <a:p>
+            <a:pPr defTabSz="825500">
+              <a:defRPr sz="3200">
+                <a:solidFill>
+                  <a:srgbClr val="000000"/>
+                </a:solidFill>
+                <a:latin typeface="Helvetica Neue Medium"/>
+                <a:ea typeface="Helvetica Neue Medium"/>
+                <a:cs typeface="Helvetica Neue Medium"/>
+                <a:sym typeface="Helvetica Neue Medium"/>
+              </a:defRPr>
+            </a:pPr>
+            <a:r>
+              <a:t>EN pŕeklad</a:t>
+            </a:r>
+          </a:p>
+        </p:txBody>
+      </p:sp>
+      <p:sp>
+        <p:nvSpPr>
+          <p:cNvPr id="183" name="CS slovo"/>
+          <p:cNvSpPr/>
+          <p:nvPr/>
+        </p:nvSpPr>
+        <p:spPr>
+          <a:xfrm>
+            <a:off x="2979362" y="404498"/>
+            <a:ext cx="4455554" cy="1191783"/>
+          </a:xfrm>
+          <a:prstGeom prst="rect">
+            <a:avLst/>
+          </a:prstGeom>
+          <a:solidFill>
+            <a:schemeClr val="accent2">
+              <a:hueOff val="-85258"/>
+              <a:satOff val="14347"/>
+              <a:lumOff val="22373"/>
+            </a:schemeClr>
+          </a:solidFill>
+          <a:ln w="12700">
+            <a:miter lim="400000"/>
+          </a:ln>
+          <a:extLst>
+            <a:ext uri="{C572A759-6A51-4108-AA02-DFA0A04FC94B}">
+              <ma14:wrappingTextBoxFlag xmlns:ma14="http://schemas.microsoft.com/office/mac/drawingml/2011/main" val="1"/>
+            </a:ext>
+          </a:extLst>
+        </p:spPr>
+        <p:txBody>
+          <a:bodyPr lIns="50800" tIns="50800" rIns="50800" bIns="50800" anchor="ctr"/>
+          <a:lstStyle>
+            <a:lvl1pPr defTabSz="825500">
+              <a:defRPr sz="3200">
+                <a:solidFill>
+                  <a:srgbClr val="000000"/>
+                </a:solidFill>
+                <a:latin typeface="Helvetica Neue Medium"/>
+                <a:ea typeface="Helvetica Neue Medium"/>
+                <a:cs typeface="Helvetica Neue Medium"/>
+                <a:sym typeface="Helvetica Neue Medium"/>
+              </a:defRPr>
+            </a:lvl1pPr>
+          </a:lstStyle>
+          <a:p>
+            <a:pPr/>
+            <a:r>
+              <a:t>CS slovo</a:t>
+            </a:r>
+          </a:p>
+        </p:txBody>
+      </p:sp>
+      <p:sp>
+        <p:nvSpPr>
+          <p:cNvPr id="184" name="Hash"/>
+          <p:cNvSpPr/>
+          <p:nvPr/>
+        </p:nvSpPr>
+        <p:spPr>
+          <a:xfrm>
+            <a:off x="2979362" y="3189486"/>
+            <a:ext cx="4455554" cy="1191783"/>
+          </a:xfrm>
+          <a:prstGeom prst="rect">
+            <a:avLst/>
+          </a:prstGeom>
+          <a:solidFill>
+            <a:schemeClr val="accent2">
+              <a:hueOff val="-85258"/>
+              <a:satOff val="14347"/>
+              <a:lumOff val="22373"/>
+            </a:schemeClr>
+          </a:solidFill>
+          <a:ln w="12700">
+            <a:miter lim="400000"/>
+          </a:ln>
+          <a:extLst>
+            <a:ext uri="{C572A759-6A51-4108-AA02-DFA0A04FC94B}">
+              <ma14:wrappingTextBoxFlag xmlns:ma14="http://schemas.microsoft.com/office/mac/drawingml/2011/main" val="1"/>
+            </a:ext>
+          </a:extLst>
+        </p:spPr>
+        <p:txBody>
+          <a:bodyPr lIns="50800" tIns="50800" rIns="50800" bIns="50800" anchor="ctr"/>
+          <a:lstStyle>
+            <a:lvl1pPr defTabSz="825500">
+              <a:defRPr sz="3200">
+                <a:solidFill>
+                  <a:srgbClr val="000000"/>
+                </a:solidFill>
+                <a:latin typeface="Helvetica Neue Medium"/>
+                <a:ea typeface="Helvetica Neue Medium"/>
+                <a:cs typeface="Helvetica Neue Medium"/>
+                <a:sym typeface="Helvetica Neue Medium"/>
+              </a:defRPr>
+            </a:lvl1pPr>
+          </a:lstStyle>
+          <a:p>
+            <a:pPr/>
+            <a:r>
+              <a:t>Hash</a:t>
+            </a:r>
+          </a:p>
+        </p:txBody>
+      </p:sp>
+      <p:sp>
+        <p:nvSpPr>
+          <p:cNvPr id="185" name="Arrow"/>
+          <p:cNvSpPr/>
+          <p:nvPr/>
+        </p:nvSpPr>
+        <p:spPr>
+          <a:xfrm rot="5400000">
+            <a:off x="4572138" y="1757883"/>
+            <a:ext cx="1270001" cy="1270001"/>
+          </a:xfrm>
+          <a:prstGeom prst="rightArrow">
+            <a:avLst>
+              <a:gd name="adj1" fmla="val 32000"/>
+              <a:gd name="adj2" fmla="val 64000"/>
+            </a:avLst>
+          </a:prstGeom>
+          <a:solidFill>
+            <a:srgbClr val="000000"/>
+          </a:solidFill>
+          <a:ln w="12700">
+            <a:miter lim="400000"/>
+          </a:ln>
+        </p:spPr>
+        <p:txBody>
+          <a:bodyPr lIns="50800" tIns="50800" rIns="50800" bIns="50800" anchor="ctr"/>
+          <a:lstStyle/>
+          <a:p>
+            <a:pPr defTabSz="825500">
+              <a:defRPr sz="3200">
+                <a:solidFill>
+                  <a:srgbClr val="FFFFFF"/>
+                </a:solidFill>
+                <a:latin typeface="Helvetica Neue Medium"/>
+                <a:ea typeface="Helvetica Neue Medium"/>
+                <a:cs typeface="Helvetica Neue Medium"/>
+                <a:sym typeface="Helvetica Neue Medium"/>
+              </a:defRPr>
+            </a:pPr>
+          </a:p>
+        </p:txBody>
+      </p:sp>
+      <p:sp>
+        <p:nvSpPr>
+          <p:cNvPr id="186" name="Arrow"/>
+          <p:cNvSpPr/>
+          <p:nvPr/>
+        </p:nvSpPr>
+        <p:spPr>
+          <a:xfrm rot="5400000">
+            <a:off x="4572138" y="4696900"/>
+            <a:ext cx="1270001" cy="1270001"/>
+          </a:xfrm>
+          <a:prstGeom prst="rightArrow">
+            <a:avLst>
+              <a:gd name="adj1" fmla="val 32000"/>
+              <a:gd name="adj2" fmla="val 64000"/>
+            </a:avLst>
+          </a:prstGeom>
+          <a:solidFill>
+            <a:srgbClr val="000000"/>
+          </a:solidFill>
+          <a:ln w="12700">
+            <a:miter lim="400000"/>
+          </a:ln>
+        </p:spPr>
+        <p:txBody>
+          <a:bodyPr lIns="50800" tIns="50800" rIns="50800" bIns="50800" anchor="ctr"/>
+          <a:lstStyle/>
+          <a:p>
+            <a:pPr defTabSz="825500">
+              <a:defRPr sz="3200">
+                <a:solidFill>
+                  <a:srgbClr val="FFFFFF"/>
+                </a:solidFill>
+                <a:latin typeface="Helvetica Neue Medium"/>
+                <a:ea typeface="Helvetica Neue Medium"/>
+                <a:cs typeface="Helvetica Neue Medium"/>
+                <a:sym typeface="Helvetica Neue Medium"/>
+              </a:defRPr>
+            </a:pPr>
+          </a:p>
+        </p:txBody>
+      </p:sp>
+      <p:pic>
+        <p:nvPicPr>
+          <p:cNvPr id="187" name="Image" descr="Image"/>
+          <p:cNvPicPr>
+            <a:picLocks noChangeAspect="1"/>
+          </p:cNvPicPr>
+          <p:nvPr/>
+        </p:nvPicPr>
+        <p:blipFill>
+          <a:blip r:embed="rId2">
+            <a:extLst/>
+          </a:blip>
+          <a:stretch>
+            <a:fillRect/>
+          </a:stretch>
+        </p:blipFill>
+        <p:spPr>
+          <a:xfrm>
+            <a:off x="2362644" y="6282532"/>
+            <a:ext cx="5688990" cy="4526749"/>
+          </a:xfrm>
+          <a:prstGeom prst="rect">
+            <a:avLst/>
+          </a:prstGeom>
+          <a:ln w="12700">
+            <a:miter lim="400000"/>
+          </a:ln>
+        </p:spPr>
+      </p:pic>
+      <p:sp>
+        <p:nvSpPr>
+          <p:cNvPr id="188" name="Line"/>
+          <p:cNvSpPr/>
+          <p:nvPr/>
+        </p:nvSpPr>
+        <p:spPr>
           <a:xfrm flipH="1">
-            <a:off x="8017847" y="12328555"/>
-            <a:ext cx="7543912" cy="447093"/>
+            <a:off x="6519950" y="10562988"/>
+            <a:ext cx="183836" cy="906213"/>
+          </a:xfrm>
+          <a:prstGeom prst="line">
+            <a:avLst/>
+          </a:prstGeom>
+          <a:ln w="25400">
+            <a:solidFill>
+              <a:srgbClr val="000000"/>
+            </a:solidFill>
+            <a:miter lim="400000"/>
+            <a:tailEnd type="triangle"/>
+          </a:ln>
+        </p:spPr>
+        <p:txBody>
+          <a:bodyPr lIns="50800" tIns="50800" rIns="50800" bIns="50800" anchor="ctr"/>
+          <a:lstStyle/>
+          <a:p>
+            <a:pPr/>
+          </a:p>
+        </p:txBody>
+      </p:sp>
+      <p:sp>
+        <p:nvSpPr>
+          <p:cNvPr id="189" name="BST Node…"/>
+          <p:cNvSpPr/>
+          <p:nvPr/>
+        </p:nvSpPr>
+        <p:spPr>
+          <a:xfrm>
+            <a:off x="15499184" y="10950801"/>
+            <a:ext cx="5688990" cy="2360701"/>
+          </a:xfrm>
+          <a:prstGeom prst="rect">
+            <a:avLst/>
+          </a:prstGeom>
+          <a:solidFill>
+            <a:schemeClr val="accent2">
+              <a:hueOff val="-85258"/>
+              <a:satOff val="14347"/>
+              <a:lumOff val="22373"/>
+            </a:schemeClr>
+          </a:solidFill>
+          <a:ln w="12700">
+            <a:miter lim="400000"/>
+          </a:ln>
+          <a:extLst>
+            <a:ext uri="{C572A759-6A51-4108-AA02-DFA0A04FC94B}">
+              <ma14:wrappingTextBoxFlag xmlns:ma14="http://schemas.microsoft.com/office/mac/drawingml/2011/main" val="1"/>
+            </a:ext>
+          </a:extLst>
+        </p:spPr>
+        <p:txBody>
+          <a:bodyPr lIns="50800" tIns="50800" rIns="50800" bIns="50800"/>
+          <a:lstStyle/>
+          <a:p>
+            <a:pPr defTabSz="825500">
+              <a:defRPr sz="3200">
+                <a:solidFill>
+                  <a:srgbClr val="000000"/>
+                </a:solidFill>
+                <a:latin typeface="Helvetica Neue Medium"/>
+                <a:ea typeface="Helvetica Neue Medium"/>
+                <a:cs typeface="Helvetica Neue Medium"/>
+                <a:sym typeface="Helvetica Neue Medium"/>
+              </a:defRPr>
+            </a:pPr>
+            <a:r>
+              <a:t>BST Node</a:t>
+            </a:r>
+          </a:p>
+          <a:p>
+            <a:pPr defTabSz="825500">
+              <a:defRPr sz="3200">
+                <a:solidFill>
+                  <a:srgbClr val="000000"/>
+                </a:solidFill>
+                <a:latin typeface="Helvetica Neue Medium"/>
+                <a:ea typeface="Helvetica Neue Medium"/>
+                <a:cs typeface="Helvetica Neue Medium"/>
+                <a:sym typeface="Helvetica Neue Medium"/>
+              </a:defRPr>
+            </a:pPr>
+          </a:p>
+          <a:p>
+            <a:pPr defTabSz="825500">
+              <a:defRPr sz="3200">
+                <a:solidFill>
+                  <a:srgbClr val="000000"/>
+                </a:solidFill>
+                <a:latin typeface="Helvetica Neue Medium"/>
+                <a:ea typeface="Helvetica Neue Medium"/>
+                <a:cs typeface="Helvetica Neue Medium"/>
+                <a:sym typeface="Helvetica Neue Medium"/>
+              </a:defRPr>
+            </a:pPr>
+            <a:r>
+              <a:t>Cs slovo</a:t>
+            </a:r>
+          </a:p>
+        </p:txBody>
+      </p:sp>
+      <p:sp>
+        <p:nvSpPr>
+          <p:cNvPr id="190" name="EN slovo"/>
+          <p:cNvSpPr/>
+          <p:nvPr/>
+        </p:nvSpPr>
+        <p:spPr>
+          <a:xfrm>
+            <a:off x="16115901" y="404498"/>
+            <a:ext cx="4455554" cy="1191783"/>
+          </a:xfrm>
+          <a:prstGeom prst="rect">
+            <a:avLst/>
+          </a:prstGeom>
+          <a:solidFill>
+            <a:schemeClr val="accent2">
+              <a:hueOff val="-85258"/>
+              <a:satOff val="14347"/>
+              <a:lumOff val="22373"/>
+            </a:schemeClr>
+          </a:solidFill>
+          <a:ln w="12700">
+            <a:miter lim="400000"/>
+          </a:ln>
+          <a:extLst>
+            <a:ext uri="{C572A759-6A51-4108-AA02-DFA0A04FC94B}">
+              <ma14:wrappingTextBoxFlag xmlns:ma14="http://schemas.microsoft.com/office/mac/drawingml/2011/main" val="1"/>
+            </a:ext>
+          </a:extLst>
+        </p:spPr>
+        <p:txBody>
+          <a:bodyPr lIns="50800" tIns="50800" rIns="50800" bIns="50800" anchor="ctr"/>
+          <a:lstStyle>
+            <a:lvl1pPr defTabSz="825500">
+              <a:defRPr sz="3200">
+                <a:solidFill>
+                  <a:srgbClr val="000000"/>
+                </a:solidFill>
+                <a:latin typeface="Helvetica Neue Medium"/>
+                <a:ea typeface="Helvetica Neue Medium"/>
+                <a:cs typeface="Helvetica Neue Medium"/>
+                <a:sym typeface="Helvetica Neue Medium"/>
+              </a:defRPr>
+            </a:lvl1pPr>
+          </a:lstStyle>
+          <a:p>
+            <a:pPr/>
+            <a:r>
+              <a:t>EN slovo</a:t>
+            </a:r>
+          </a:p>
+        </p:txBody>
+      </p:sp>
+      <p:sp>
+        <p:nvSpPr>
+          <p:cNvPr id="191" name="Hash"/>
+          <p:cNvSpPr/>
+          <p:nvPr/>
+        </p:nvSpPr>
+        <p:spPr>
+          <a:xfrm>
+            <a:off x="16115901" y="3189486"/>
+            <a:ext cx="4455554" cy="1191783"/>
+          </a:xfrm>
+          <a:prstGeom prst="rect">
+            <a:avLst/>
+          </a:prstGeom>
+          <a:solidFill>
+            <a:schemeClr val="accent2">
+              <a:hueOff val="-85258"/>
+              <a:satOff val="14347"/>
+              <a:lumOff val="22373"/>
+            </a:schemeClr>
+          </a:solidFill>
+          <a:ln w="12700">
+            <a:miter lim="400000"/>
+          </a:ln>
+          <a:extLst>
+            <a:ext uri="{C572A759-6A51-4108-AA02-DFA0A04FC94B}">
+              <ma14:wrappingTextBoxFlag xmlns:ma14="http://schemas.microsoft.com/office/mac/drawingml/2011/main" val="1"/>
+            </a:ext>
+          </a:extLst>
+        </p:spPr>
+        <p:txBody>
+          <a:bodyPr lIns="50800" tIns="50800" rIns="50800" bIns="50800" anchor="ctr"/>
+          <a:lstStyle>
+            <a:lvl1pPr defTabSz="825500">
+              <a:defRPr sz="3200">
+                <a:solidFill>
+                  <a:srgbClr val="000000"/>
+                </a:solidFill>
+                <a:latin typeface="Helvetica Neue Medium"/>
+                <a:ea typeface="Helvetica Neue Medium"/>
+                <a:cs typeface="Helvetica Neue Medium"/>
+                <a:sym typeface="Helvetica Neue Medium"/>
+              </a:defRPr>
+            </a:lvl1pPr>
+          </a:lstStyle>
+          <a:p>
+            <a:pPr/>
+            <a:r>
+              <a:t>Hash</a:t>
+            </a:r>
+          </a:p>
+        </p:txBody>
+      </p:sp>
+      <p:sp>
+        <p:nvSpPr>
+          <p:cNvPr id="192" name="Arrow"/>
+          <p:cNvSpPr/>
+          <p:nvPr/>
+        </p:nvSpPr>
+        <p:spPr>
+          <a:xfrm rot="5400000">
+            <a:off x="17708678" y="1757883"/>
+            <a:ext cx="1270001" cy="1270001"/>
+          </a:xfrm>
+          <a:prstGeom prst="rightArrow">
+            <a:avLst>
+              <a:gd name="adj1" fmla="val 32000"/>
+              <a:gd name="adj2" fmla="val 64000"/>
+            </a:avLst>
+          </a:prstGeom>
+          <a:solidFill>
+            <a:srgbClr val="000000"/>
+          </a:solidFill>
+          <a:ln w="12700">
+            <a:miter lim="400000"/>
+          </a:ln>
+        </p:spPr>
+        <p:txBody>
+          <a:bodyPr lIns="50800" tIns="50800" rIns="50800" bIns="50800" anchor="ctr"/>
+          <a:lstStyle/>
+          <a:p>
+            <a:pPr defTabSz="825500">
+              <a:defRPr sz="3200">
+                <a:solidFill>
+                  <a:srgbClr val="FFFFFF"/>
+                </a:solidFill>
+                <a:latin typeface="Helvetica Neue Medium"/>
+                <a:ea typeface="Helvetica Neue Medium"/>
+                <a:cs typeface="Helvetica Neue Medium"/>
+                <a:sym typeface="Helvetica Neue Medium"/>
+              </a:defRPr>
+            </a:pPr>
+          </a:p>
+        </p:txBody>
+      </p:sp>
+      <p:sp>
+        <p:nvSpPr>
+          <p:cNvPr id="193" name="Arrow"/>
+          <p:cNvSpPr/>
+          <p:nvPr/>
+        </p:nvSpPr>
+        <p:spPr>
+          <a:xfrm rot="5400000">
+            <a:off x="17708678" y="4696900"/>
+            <a:ext cx="1270001" cy="1270001"/>
+          </a:xfrm>
+          <a:prstGeom prst="rightArrow">
+            <a:avLst>
+              <a:gd name="adj1" fmla="val 32000"/>
+              <a:gd name="adj2" fmla="val 64000"/>
+            </a:avLst>
+          </a:prstGeom>
+          <a:solidFill>
+            <a:srgbClr val="000000"/>
+          </a:solidFill>
+          <a:ln w="12700">
+            <a:miter lim="400000"/>
+          </a:ln>
+        </p:spPr>
+        <p:txBody>
+          <a:bodyPr lIns="50800" tIns="50800" rIns="50800" bIns="50800" anchor="ctr"/>
+          <a:lstStyle/>
+          <a:p>
+            <a:pPr defTabSz="825500">
+              <a:defRPr sz="3200">
+                <a:solidFill>
+                  <a:srgbClr val="FFFFFF"/>
+                </a:solidFill>
+                <a:latin typeface="Helvetica Neue Medium"/>
+                <a:ea typeface="Helvetica Neue Medium"/>
+                <a:cs typeface="Helvetica Neue Medium"/>
+                <a:sym typeface="Helvetica Neue Medium"/>
+              </a:defRPr>
+            </a:pPr>
+          </a:p>
+        </p:txBody>
+      </p:sp>
+      <p:pic>
+        <p:nvPicPr>
+          <p:cNvPr id="194" name="Image" descr="Image"/>
+          <p:cNvPicPr>
+            <a:picLocks noChangeAspect="1"/>
+          </p:cNvPicPr>
+          <p:nvPr/>
+        </p:nvPicPr>
+        <p:blipFill>
+          <a:blip r:embed="rId2">
+            <a:extLst/>
+          </a:blip>
+          <a:stretch>
+            <a:fillRect/>
+          </a:stretch>
+        </p:blipFill>
+        <p:spPr>
+          <a:xfrm>
+            <a:off x="15499184" y="6282532"/>
+            <a:ext cx="5688990" cy="4526749"/>
+          </a:xfrm>
+          <a:prstGeom prst="rect">
+            <a:avLst/>
+          </a:prstGeom>
+          <a:ln w="12700">
+            <a:miter lim="400000"/>
+          </a:ln>
+        </p:spPr>
+      </p:pic>
+      <p:sp>
+        <p:nvSpPr>
+          <p:cNvPr id="195" name="Line"/>
+          <p:cNvSpPr/>
+          <p:nvPr/>
+        </p:nvSpPr>
+        <p:spPr>
+          <a:xfrm flipH="1">
+            <a:off x="19656490" y="10562988"/>
+            <a:ext cx="183836" cy="906213"/>
+          </a:xfrm>
+          <a:prstGeom prst="line">
+            <a:avLst/>
+          </a:prstGeom>
+          <a:ln w="25400">
+            <a:solidFill>
+              <a:srgbClr val="000000"/>
+            </a:solidFill>
+            <a:miter lim="400000"/>
+            <a:tailEnd type="triangle"/>
+          </a:ln>
+        </p:spPr>
+        <p:txBody>
+          <a:bodyPr lIns="50800" tIns="50800" rIns="50800" bIns="50800" anchor="ctr"/>
+          <a:lstStyle/>
+          <a:p>
+            <a:pPr/>
+          </a:p>
+        </p:txBody>
+      </p:sp>
+      <p:pic>
+        <p:nvPicPr>
+          <p:cNvPr id="196" name="Line Line" descr="Line Line"/>
+          <p:cNvPicPr>
+            <a:picLocks noChangeAspect="0"/>
+          </p:cNvPicPr>
+          <p:nvPr/>
+        </p:nvPicPr>
+        <p:blipFill>
+          <a:blip r:embed="rId3">
+            <a:extLst/>
+          </a:blip>
+          <a:stretch>
+            <a:fillRect/>
+          </a:stretch>
+        </p:blipFill>
+        <p:spPr>
+          <a:xfrm rot="3656570">
+            <a:off x="11835746" y="6467345"/>
+            <a:ext cx="13420469" cy="355601"/>
+          </a:xfrm>
+          <a:prstGeom prst="rect">
+            <a:avLst/>
+          </a:prstGeom>
+        </p:spPr>
+      </p:pic>
+      <p:pic>
+        <p:nvPicPr>
+          <p:cNvPr id="198" name="Line Line" descr="Line Line"/>
+          <p:cNvPicPr>
+            <a:picLocks noChangeAspect="0"/>
+          </p:cNvPicPr>
+          <p:nvPr/>
+        </p:nvPicPr>
+        <p:blipFill>
+          <a:blip r:embed="rId4">
+            <a:extLst/>
+          </a:blip>
+          <a:stretch>
+            <a:fillRect/>
+          </a:stretch>
+        </p:blipFill>
+        <p:spPr>
+          <a:xfrm rot="7272361">
+            <a:off x="11546082" y="6129666"/>
+            <a:ext cx="13215394" cy="355601"/>
+          </a:xfrm>
+          <a:prstGeom prst="rect">
+            <a:avLst/>
+          </a:prstGeom>
+        </p:spPr>
+      </p:pic>
+    </p:spTree>
+  </p:cSld>
+  <p:clrMapOvr>
+    <a:masterClrMapping/>
+  </p:clrMapOvr>
+  <p:transition xmlns:p14="http://schemas.microsoft.com/office/powerpoint/2010/main" spd="med" advClick="1"/>
+</p:sld>
+</file>
+
+<file path=ppt/slides/slide7.xml><?xml version="1.0" encoding="utf-8"?>
+<p:sld xmlns:a="http://schemas.openxmlformats.org/drawingml/2006/main" xmlns:r="http://schemas.openxmlformats.org/officeDocument/2006/relationships" xmlns:p="http://schemas.openxmlformats.org/presentationml/2006/main" xmlns:m="http://schemas.openxmlformats.org/officeDocument/2006/math" xmlns:a14="http://schemas.microsoft.com/office/drawing/2010/main" showMasterSp="1" showMasterPhAnim="1">
+  <p:cSld>
+    <p:spTree>
+      <p:nvGrpSpPr>
+        <p:cNvPr id="1" name=""/>
+        <p:cNvGrpSpPr/>
+        <p:nvPr/>
+      </p:nvGrpSpPr>
+      <p:grpSpPr>
+        <a:xfrm>
+          <a:off x="0" y="0"/>
+          <a:ext cx="0" cy="0"/>
+          <a:chOff x="0" y="0"/>
+          <a:chExt cx="0" cy="0"/>
+        </a:xfrm>
+      </p:grpSpPr>
+      <p:sp>
+        <p:nvSpPr>
+          <p:cNvPr id="201" name="BST Node…"/>
+          <p:cNvSpPr/>
+          <p:nvPr/>
+        </p:nvSpPr>
+        <p:spPr>
+          <a:xfrm>
+            <a:off x="2362644" y="10950801"/>
+            <a:ext cx="5688990" cy="2360701"/>
+          </a:xfrm>
+          <a:prstGeom prst="rect">
+            <a:avLst/>
+          </a:prstGeom>
+          <a:solidFill>
+            <a:schemeClr val="accent2">
+              <a:hueOff val="-85258"/>
+              <a:satOff val="14347"/>
+              <a:lumOff val="22373"/>
+            </a:schemeClr>
+          </a:solidFill>
+          <a:ln w="12700">
+            <a:miter lim="400000"/>
+          </a:ln>
+          <a:extLst>
+            <a:ext uri="{C572A759-6A51-4108-AA02-DFA0A04FC94B}">
+              <ma14:wrappingTextBoxFlag xmlns:ma14="http://schemas.microsoft.com/office/mac/drawingml/2011/main" val="1"/>
+            </a:ext>
+          </a:extLst>
+        </p:spPr>
+        <p:txBody>
+          <a:bodyPr lIns="50800" tIns="50800" rIns="50800" bIns="50800"/>
+          <a:lstStyle/>
+          <a:p>
+            <a:pPr defTabSz="825500">
+              <a:defRPr sz="3200">
+                <a:solidFill>
+                  <a:srgbClr val="000000"/>
+                </a:solidFill>
+                <a:latin typeface="Helvetica Neue Medium"/>
+                <a:ea typeface="Helvetica Neue Medium"/>
+                <a:cs typeface="Helvetica Neue Medium"/>
+                <a:sym typeface="Helvetica Neue Medium"/>
+              </a:defRPr>
+            </a:pPr>
+            <a:r>
+              <a:t>BST Node</a:t>
+            </a:r>
+          </a:p>
+          <a:p>
+            <a:pPr defTabSz="825500">
+              <a:defRPr sz="3200">
+                <a:solidFill>
+                  <a:srgbClr val="000000"/>
+                </a:solidFill>
+                <a:latin typeface="Helvetica Neue Medium"/>
+                <a:ea typeface="Helvetica Neue Medium"/>
+                <a:cs typeface="Helvetica Neue Medium"/>
+                <a:sym typeface="Helvetica Neue Medium"/>
+              </a:defRPr>
+            </a:pPr>
+          </a:p>
+          <a:p>
+            <a:pPr defTabSz="825500">
+              <a:defRPr sz="3200">
+                <a:solidFill>
+                  <a:srgbClr val="000000"/>
+                </a:solidFill>
+                <a:latin typeface="Helvetica Neue Medium"/>
+                <a:ea typeface="Helvetica Neue Medium"/>
+                <a:cs typeface="Helvetica Neue Medium"/>
+                <a:sym typeface="Helvetica Neue Medium"/>
+              </a:defRPr>
+            </a:pPr>
+            <a:r>
+              <a:t>Cs slovo (string word)</a:t>
+            </a:r>
+          </a:p>
+          <a:p>
+            <a:pPr defTabSz="825500">
+              <a:defRPr sz="3200">
+                <a:solidFill>
+                  <a:srgbClr val="000000"/>
+                </a:solidFill>
+                <a:latin typeface="Helvetica Neue Medium"/>
+                <a:ea typeface="Helvetica Neue Medium"/>
+                <a:cs typeface="Helvetica Neue Medium"/>
+                <a:sym typeface="Helvetica Neue Medium"/>
+              </a:defRPr>
+            </a:pPr>
+            <a:r>
+              <a:t>EN pŕeklad</a:t>
+            </a:r>
+          </a:p>
+        </p:txBody>
+      </p:sp>
+      <p:sp>
+        <p:nvSpPr>
+          <p:cNvPr id="202" name="CS slovo"/>
+          <p:cNvSpPr/>
+          <p:nvPr/>
+        </p:nvSpPr>
+        <p:spPr>
+          <a:xfrm>
+            <a:off x="2979362" y="404498"/>
+            <a:ext cx="4455554" cy="1191783"/>
+          </a:xfrm>
+          <a:prstGeom prst="rect">
+            <a:avLst/>
+          </a:prstGeom>
+          <a:solidFill>
+            <a:schemeClr val="accent2">
+              <a:hueOff val="-85258"/>
+              <a:satOff val="14347"/>
+              <a:lumOff val="22373"/>
+            </a:schemeClr>
+          </a:solidFill>
+          <a:ln w="12700">
+            <a:miter lim="400000"/>
+          </a:ln>
+          <a:extLst>
+            <a:ext uri="{C572A759-6A51-4108-AA02-DFA0A04FC94B}">
+              <ma14:wrappingTextBoxFlag xmlns:ma14="http://schemas.microsoft.com/office/mac/drawingml/2011/main" val="1"/>
+            </a:ext>
+          </a:extLst>
+        </p:spPr>
+        <p:txBody>
+          <a:bodyPr lIns="50800" tIns="50800" rIns="50800" bIns="50800" anchor="ctr"/>
+          <a:lstStyle>
+            <a:lvl1pPr defTabSz="825500">
+              <a:defRPr sz="3200">
+                <a:solidFill>
+                  <a:srgbClr val="000000"/>
+                </a:solidFill>
+                <a:latin typeface="Helvetica Neue Medium"/>
+                <a:ea typeface="Helvetica Neue Medium"/>
+                <a:cs typeface="Helvetica Neue Medium"/>
+                <a:sym typeface="Helvetica Neue Medium"/>
+              </a:defRPr>
+            </a:lvl1pPr>
+          </a:lstStyle>
+          <a:p>
+            <a:pPr/>
+            <a:r>
+              <a:t>CS slovo</a:t>
+            </a:r>
+          </a:p>
+        </p:txBody>
+      </p:sp>
+      <p:sp>
+        <p:nvSpPr>
+          <p:cNvPr id="203" name="Hash"/>
+          <p:cNvSpPr/>
+          <p:nvPr/>
+        </p:nvSpPr>
+        <p:spPr>
+          <a:xfrm>
+            <a:off x="2979362" y="3189486"/>
+            <a:ext cx="4455554" cy="1191783"/>
+          </a:xfrm>
+          <a:prstGeom prst="rect">
+            <a:avLst/>
+          </a:prstGeom>
+          <a:solidFill>
+            <a:schemeClr val="accent2">
+              <a:hueOff val="-85258"/>
+              <a:satOff val="14347"/>
+              <a:lumOff val="22373"/>
+            </a:schemeClr>
+          </a:solidFill>
+          <a:ln w="12700">
+            <a:miter lim="400000"/>
+          </a:ln>
+          <a:extLst>
+            <a:ext uri="{C572A759-6A51-4108-AA02-DFA0A04FC94B}">
+              <ma14:wrappingTextBoxFlag xmlns:ma14="http://schemas.microsoft.com/office/mac/drawingml/2011/main" val="1"/>
+            </a:ext>
+          </a:extLst>
+        </p:spPr>
+        <p:txBody>
+          <a:bodyPr lIns="50800" tIns="50800" rIns="50800" bIns="50800" anchor="ctr"/>
+          <a:lstStyle>
+            <a:lvl1pPr defTabSz="825500">
+              <a:defRPr sz="3200">
+                <a:solidFill>
+                  <a:srgbClr val="000000"/>
+                </a:solidFill>
+                <a:latin typeface="Helvetica Neue Medium"/>
+                <a:ea typeface="Helvetica Neue Medium"/>
+                <a:cs typeface="Helvetica Neue Medium"/>
+                <a:sym typeface="Helvetica Neue Medium"/>
+              </a:defRPr>
+            </a:lvl1pPr>
+          </a:lstStyle>
+          <a:p>
+            <a:pPr/>
+            <a:r>
+              <a:t>Hash</a:t>
+            </a:r>
+          </a:p>
+        </p:txBody>
+      </p:sp>
+      <p:sp>
+        <p:nvSpPr>
+          <p:cNvPr id="204" name="Arrow"/>
+          <p:cNvSpPr/>
+          <p:nvPr/>
+        </p:nvSpPr>
+        <p:spPr>
+          <a:xfrm rot="5400000">
+            <a:off x="4572138" y="1757883"/>
+            <a:ext cx="1270001" cy="1270001"/>
+          </a:xfrm>
+          <a:prstGeom prst="rightArrow">
+            <a:avLst>
+              <a:gd name="adj1" fmla="val 32000"/>
+              <a:gd name="adj2" fmla="val 64000"/>
+            </a:avLst>
+          </a:prstGeom>
+          <a:solidFill>
+            <a:srgbClr val="000000"/>
+          </a:solidFill>
+          <a:ln w="12700">
+            <a:miter lim="400000"/>
+          </a:ln>
+        </p:spPr>
+        <p:txBody>
+          <a:bodyPr lIns="50800" tIns="50800" rIns="50800" bIns="50800" anchor="ctr"/>
+          <a:lstStyle/>
+          <a:p>
+            <a:pPr defTabSz="825500">
+              <a:defRPr sz="3200">
+                <a:solidFill>
+                  <a:srgbClr val="FFFFFF"/>
+                </a:solidFill>
+                <a:latin typeface="Helvetica Neue Medium"/>
+                <a:ea typeface="Helvetica Neue Medium"/>
+                <a:cs typeface="Helvetica Neue Medium"/>
+                <a:sym typeface="Helvetica Neue Medium"/>
+              </a:defRPr>
+            </a:pPr>
+          </a:p>
+        </p:txBody>
+      </p:sp>
+      <p:sp>
+        <p:nvSpPr>
+          <p:cNvPr id="205" name="Arrow"/>
+          <p:cNvSpPr/>
+          <p:nvPr/>
+        </p:nvSpPr>
+        <p:spPr>
+          <a:xfrm rot="5400000">
+            <a:off x="4572138" y="4696900"/>
+            <a:ext cx="1270001" cy="1270001"/>
+          </a:xfrm>
+          <a:prstGeom prst="rightArrow">
+            <a:avLst>
+              <a:gd name="adj1" fmla="val 32000"/>
+              <a:gd name="adj2" fmla="val 64000"/>
+            </a:avLst>
+          </a:prstGeom>
+          <a:solidFill>
+            <a:srgbClr val="000000"/>
+          </a:solidFill>
+          <a:ln w="12700">
+            <a:miter lim="400000"/>
+          </a:ln>
+        </p:spPr>
+        <p:txBody>
+          <a:bodyPr lIns="50800" tIns="50800" rIns="50800" bIns="50800" anchor="ctr"/>
+          <a:lstStyle/>
+          <a:p>
+            <a:pPr defTabSz="825500">
+              <a:defRPr sz="3200">
+                <a:solidFill>
+                  <a:srgbClr val="FFFFFF"/>
+                </a:solidFill>
+                <a:latin typeface="Helvetica Neue Medium"/>
+                <a:ea typeface="Helvetica Neue Medium"/>
+                <a:cs typeface="Helvetica Neue Medium"/>
+                <a:sym typeface="Helvetica Neue Medium"/>
+              </a:defRPr>
+            </a:pPr>
+          </a:p>
+        </p:txBody>
+      </p:sp>
+      <p:pic>
+        <p:nvPicPr>
+          <p:cNvPr id="206" name="Image" descr="Image"/>
+          <p:cNvPicPr>
+            <a:picLocks noChangeAspect="1"/>
+          </p:cNvPicPr>
+          <p:nvPr/>
+        </p:nvPicPr>
+        <p:blipFill>
+          <a:blip r:embed="rId2">
+            <a:extLst/>
+          </a:blip>
+          <a:stretch>
+            <a:fillRect/>
+          </a:stretch>
+        </p:blipFill>
+        <p:spPr>
+          <a:xfrm>
+            <a:off x="2362644" y="6282532"/>
+            <a:ext cx="5688990" cy="4526749"/>
+          </a:xfrm>
+          <a:prstGeom prst="rect">
+            <a:avLst/>
+          </a:prstGeom>
+          <a:ln w="12700">
+            <a:miter lim="400000"/>
+          </a:ln>
+        </p:spPr>
+      </p:pic>
+      <p:sp>
+        <p:nvSpPr>
+          <p:cNvPr id="207" name="Line"/>
+          <p:cNvSpPr/>
+          <p:nvPr/>
+        </p:nvSpPr>
+        <p:spPr>
+          <a:xfrm flipH="1">
+            <a:off x="6519950" y="10562988"/>
+            <a:ext cx="183836" cy="906213"/>
+          </a:xfrm>
+          <a:prstGeom prst="line">
+            <a:avLst/>
+          </a:prstGeom>
+          <a:ln w="25400">
+            <a:solidFill>
+              <a:srgbClr val="000000"/>
+            </a:solidFill>
+            <a:miter lim="400000"/>
+            <a:tailEnd type="triangle"/>
+          </a:ln>
+        </p:spPr>
+        <p:txBody>
+          <a:bodyPr lIns="50800" tIns="50800" rIns="50800" bIns="50800" anchor="ctr"/>
+          <a:lstStyle/>
+          <a:p>
+            <a:pPr/>
+          </a:p>
+        </p:txBody>
+      </p:sp>
+      <p:sp>
+        <p:nvSpPr>
+          <p:cNvPr id="208" name="BST Node…"/>
+          <p:cNvSpPr/>
+          <p:nvPr/>
+        </p:nvSpPr>
+        <p:spPr>
+          <a:xfrm>
+            <a:off x="14471705" y="10950801"/>
+            <a:ext cx="5688990" cy="2360701"/>
+          </a:xfrm>
+          <a:prstGeom prst="rect">
+            <a:avLst/>
+          </a:prstGeom>
+          <a:solidFill>
+            <a:schemeClr val="accent2">
+              <a:hueOff val="-85258"/>
+              <a:satOff val="14347"/>
+              <a:lumOff val="22373"/>
+            </a:schemeClr>
+          </a:solidFill>
+          <a:ln w="12700">
+            <a:miter lim="400000"/>
+          </a:ln>
+          <a:extLst>
+            <a:ext uri="{C572A759-6A51-4108-AA02-DFA0A04FC94B}">
+              <ma14:wrappingTextBoxFlag xmlns:ma14="http://schemas.microsoft.com/office/mac/drawingml/2011/main" val="1"/>
+            </a:ext>
+          </a:extLst>
+        </p:spPr>
+        <p:txBody>
+          <a:bodyPr lIns="50800" tIns="50800" rIns="50800" bIns="50800"/>
+          <a:lstStyle/>
+          <a:p>
+            <a:pPr defTabSz="825500">
+              <a:defRPr sz="3200">
+                <a:solidFill>
+                  <a:srgbClr val="000000"/>
+                </a:solidFill>
+                <a:latin typeface="Helvetica Neue Medium"/>
+                <a:ea typeface="Helvetica Neue Medium"/>
+                <a:cs typeface="Helvetica Neue Medium"/>
+                <a:sym typeface="Helvetica Neue Medium"/>
+              </a:defRPr>
+            </a:pPr>
+            <a:r>
+              <a:t>BST Node</a:t>
+            </a:r>
+          </a:p>
+          <a:p>
+            <a:pPr defTabSz="825500">
+              <a:defRPr sz="3200">
+                <a:solidFill>
+                  <a:srgbClr val="000000"/>
+                </a:solidFill>
+                <a:latin typeface="Helvetica Neue Medium"/>
+                <a:ea typeface="Helvetica Neue Medium"/>
+                <a:cs typeface="Helvetica Neue Medium"/>
+                <a:sym typeface="Helvetica Neue Medium"/>
+              </a:defRPr>
+            </a:pPr>
+          </a:p>
+          <a:p>
+            <a:pPr defTabSz="825500">
+              <a:defRPr sz="3200">
+                <a:solidFill>
+                  <a:schemeClr val="accent5">
+                    <a:hueOff val="-82419"/>
+                    <a:satOff val="-9513"/>
+                    <a:lumOff val="-16343"/>
+                  </a:schemeClr>
+                </a:solidFill>
+                <a:latin typeface="Helvetica Neue Medium"/>
+                <a:ea typeface="Helvetica Neue Medium"/>
+                <a:cs typeface="Helvetica Neue Medium"/>
+                <a:sym typeface="Helvetica Neue Medium"/>
+              </a:defRPr>
+            </a:pPr>
+            <a:r>
+              <a:t>P O I N T E R</a:t>
+            </a:r>
+            <a:br/>
+            <a:r>
+              <a:t>na BST Node</a:t>
+            </a:r>
+          </a:p>
+        </p:txBody>
+      </p:sp>
+      <p:sp>
+        <p:nvSpPr>
+          <p:cNvPr id="209" name="EN slovo"/>
+          <p:cNvSpPr/>
+          <p:nvPr/>
+        </p:nvSpPr>
+        <p:spPr>
+          <a:xfrm>
+            <a:off x="15088423" y="404498"/>
+            <a:ext cx="4455553" cy="1191783"/>
+          </a:xfrm>
+          <a:prstGeom prst="rect">
+            <a:avLst/>
+          </a:prstGeom>
+          <a:solidFill>
+            <a:schemeClr val="accent2">
+              <a:hueOff val="-85258"/>
+              <a:satOff val="14347"/>
+              <a:lumOff val="22373"/>
+            </a:schemeClr>
+          </a:solidFill>
+          <a:ln w="12700">
+            <a:miter lim="400000"/>
+          </a:ln>
+          <a:extLst>
+            <a:ext uri="{C572A759-6A51-4108-AA02-DFA0A04FC94B}">
+              <ma14:wrappingTextBoxFlag xmlns:ma14="http://schemas.microsoft.com/office/mac/drawingml/2011/main" val="1"/>
+            </a:ext>
+          </a:extLst>
+        </p:spPr>
+        <p:txBody>
+          <a:bodyPr lIns="50800" tIns="50800" rIns="50800" bIns="50800" anchor="ctr"/>
+          <a:lstStyle>
+            <a:lvl1pPr defTabSz="825500">
+              <a:defRPr sz="3200">
+                <a:solidFill>
+                  <a:srgbClr val="000000"/>
+                </a:solidFill>
+                <a:latin typeface="Helvetica Neue Medium"/>
+                <a:ea typeface="Helvetica Neue Medium"/>
+                <a:cs typeface="Helvetica Neue Medium"/>
+                <a:sym typeface="Helvetica Neue Medium"/>
+              </a:defRPr>
+            </a:lvl1pPr>
+          </a:lstStyle>
+          <a:p>
+            <a:pPr/>
+            <a:r>
+              <a:t>EN slovo</a:t>
+            </a:r>
+          </a:p>
+        </p:txBody>
+      </p:sp>
+      <p:sp>
+        <p:nvSpPr>
+          <p:cNvPr id="210" name="Hash"/>
+          <p:cNvSpPr/>
+          <p:nvPr/>
+        </p:nvSpPr>
+        <p:spPr>
+          <a:xfrm>
+            <a:off x="15088423" y="3189486"/>
+            <a:ext cx="4455553" cy="1191783"/>
+          </a:xfrm>
+          <a:prstGeom prst="rect">
+            <a:avLst/>
+          </a:prstGeom>
+          <a:solidFill>
+            <a:schemeClr val="accent2">
+              <a:hueOff val="-85258"/>
+              <a:satOff val="14347"/>
+              <a:lumOff val="22373"/>
+            </a:schemeClr>
+          </a:solidFill>
+          <a:ln w="12700">
+            <a:miter lim="400000"/>
+          </a:ln>
+          <a:extLst>
+            <a:ext uri="{C572A759-6A51-4108-AA02-DFA0A04FC94B}">
+              <ma14:wrappingTextBoxFlag xmlns:ma14="http://schemas.microsoft.com/office/mac/drawingml/2011/main" val="1"/>
+            </a:ext>
+          </a:extLst>
+        </p:spPr>
+        <p:txBody>
+          <a:bodyPr lIns="50800" tIns="50800" rIns="50800" bIns="50800" anchor="ctr"/>
+          <a:lstStyle>
+            <a:lvl1pPr defTabSz="825500">
+              <a:defRPr sz="3200">
+                <a:solidFill>
+                  <a:srgbClr val="000000"/>
+                </a:solidFill>
+                <a:latin typeface="Helvetica Neue Medium"/>
+                <a:ea typeface="Helvetica Neue Medium"/>
+                <a:cs typeface="Helvetica Neue Medium"/>
+                <a:sym typeface="Helvetica Neue Medium"/>
+              </a:defRPr>
+            </a:lvl1pPr>
+          </a:lstStyle>
+          <a:p>
+            <a:pPr/>
+            <a:r>
+              <a:t>Hash</a:t>
+            </a:r>
+          </a:p>
+        </p:txBody>
+      </p:sp>
+      <p:sp>
+        <p:nvSpPr>
+          <p:cNvPr id="211" name="Arrow"/>
+          <p:cNvSpPr/>
+          <p:nvPr/>
+        </p:nvSpPr>
+        <p:spPr>
+          <a:xfrm rot="5400000">
+            <a:off x="16681200" y="1757883"/>
+            <a:ext cx="1270001" cy="1270001"/>
+          </a:xfrm>
+          <a:prstGeom prst="rightArrow">
+            <a:avLst>
+              <a:gd name="adj1" fmla="val 32000"/>
+              <a:gd name="adj2" fmla="val 64000"/>
+            </a:avLst>
+          </a:prstGeom>
+          <a:solidFill>
+            <a:srgbClr val="000000"/>
+          </a:solidFill>
+          <a:ln w="12700">
+            <a:miter lim="400000"/>
+          </a:ln>
+        </p:spPr>
+        <p:txBody>
+          <a:bodyPr lIns="50800" tIns="50800" rIns="50800" bIns="50800" anchor="ctr"/>
+          <a:lstStyle/>
+          <a:p>
+            <a:pPr defTabSz="825500">
+              <a:defRPr sz="3200">
+                <a:solidFill>
+                  <a:srgbClr val="FFFFFF"/>
+                </a:solidFill>
+                <a:latin typeface="Helvetica Neue Medium"/>
+                <a:ea typeface="Helvetica Neue Medium"/>
+                <a:cs typeface="Helvetica Neue Medium"/>
+                <a:sym typeface="Helvetica Neue Medium"/>
+              </a:defRPr>
+            </a:pPr>
+          </a:p>
+        </p:txBody>
+      </p:sp>
+      <p:sp>
+        <p:nvSpPr>
+          <p:cNvPr id="212" name="Arrow"/>
+          <p:cNvSpPr/>
+          <p:nvPr/>
+        </p:nvSpPr>
+        <p:spPr>
+          <a:xfrm rot="5400000">
+            <a:off x="16681200" y="4696900"/>
+            <a:ext cx="1270001" cy="1270001"/>
+          </a:xfrm>
+          <a:prstGeom prst="rightArrow">
+            <a:avLst>
+              <a:gd name="adj1" fmla="val 32000"/>
+              <a:gd name="adj2" fmla="val 64000"/>
+            </a:avLst>
+          </a:prstGeom>
+          <a:solidFill>
+            <a:srgbClr val="000000"/>
+          </a:solidFill>
+          <a:ln w="12700">
+            <a:miter lim="400000"/>
+          </a:ln>
+        </p:spPr>
+        <p:txBody>
+          <a:bodyPr lIns="50800" tIns="50800" rIns="50800" bIns="50800" anchor="ctr"/>
+          <a:lstStyle/>
+          <a:p>
+            <a:pPr defTabSz="825500">
+              <a:defRPr sz="3200">
+                <a:solidFill>
+                  <a:srgbClr val="FFFFFF"/>
+                </a:solidFill>
+                <a:latin typeface="Helvetica Neue Medium"/>
+                <a:ea typeface="Helvetica Neue Medium"/>
+                <a:cs typeface="Helvetica Neue Medium"/>
+                <a:sym typeface="Helvetica Neue Medium"/>
+              </a:defRPr>
+            </a:pPr>
+          </a:p>
+        </p:txBody>
+      </p:sp>
+      <p:pic>
+        <p:nvPicPr>
+          <p:cNvPr id="213" name="Image" descr="Image"/>
+          <p:cNvPicPr>
+            <a:picLocks noChangeAspect="1"/>
+          </p:cNvPicPr>
+          <p:nvPr/>
+        </p:nvPicPr>
+        <p:blipFill>
+          <a:blip r:embed="rId2">
+            <a:extLst/>
+          </a:blip>
+          <a:stretch>
+            <a:fillRect/>
+          </a:stretch>
+        </p:blipFill>
+        <p:spPr>
+          <a:xfrm>
+            <a:off x="14471705" y="6282532"/>
+            <a:ext cx="5688990" cy="4526749"/>
+          </a:xfrm>
+          <a:prstGeom prst="rect">
+            <a:avLst/>
+          </a:prstGeom>
+          <a:ln w="12700">
+            <a:miter lim="400000"/>
+          </a:ln>
+        </p:spPr>
+      </p:pic>
+      <p:sp>
+        <p:nvSpPr>
+          <p:cNvPr id="214" name="Line"/>
+          <p:cNvSpPr/>
+          <p:nvPr/>
+        </p:nvSpPr>
+        <p:spPr>
+          <a:xfrm>
+            <a:off x="15061948" y="9412519"/>
+            <a:ext cx="571457" cy="2053912"/>
+          </a:xfrm>
+          <a:prstGeom prst="line">
+            <a:avLst/>
+          </a:prstGeom>
+          <a:ln w="25400">
+            <a:solidFill>
+              <a:srgbClr val="000000"/>
+            </a:solidFill>
+            <a:miter lim="400000"/>
+            <a:tailEnd type="triangle"/>
+          </a:ln>
+        </p:spPr>
+        <p:txBody>
+          <a:bodyPr lIns="50800" tIns="50800" rIns="50800" bIns="50800" anchor="ctr"/>
+          <a:lstStyle/>
+          <a:p>
+            <a:pPr/>
+          </a:p>
+        </p:txBody>
+      </p:sp>
+      <p:sp>
+        <p:nvSpPr>
+          <p:cNvPr id="215" name="Line"/>
+          <p:cNvSpPr/>
+          <p:nvPr/>
+        </p:nvSpPr>
+        <p:spPr>
+          <a:xfrm flipH="1">
+            <a:off x="8017846" y="12328555"/>
+            <a:ext cx="7543913" cy="447092"/>
           </a:xfrm>
           <a:prstGeom prst="line">
             <a:avLst/>
@@ -5157,14 +6799,14 @@
       </p:sp>
       <p:sp>
         <p:nvSpPr>
-          <p:cNvPr id="183" name="Connection Line"/>
+          <p:cNvPr id="217" name="Connection Line"/>
           <p:cNvSpPr/>
           <p:nvPr/>
         </p:nvSpPr>
         <p:spPr>
           <a:xfrm>
-            <a:off x="2017244" y="12203913"/>
-            <a:ext cx="1487028" cy="583442"/>
+            <a:off x="2017244" y="12203914"/>
+            <a:ext cx="1487028" cy="583441"/>
           </a:xfrm>
           <a:custGeom>
             <a:avLst/>
@@ -5225,241 +6867,6 @@
 </p:sld>
 </file>
 
-<file path=ppt/slides/slide6.xml><?xml version="1.0" encoding="utf-8"?>
-<p:sld xmlns:a="http://schemas.openxmlformats.org/drawingml/2006/main" xmlns:r="http://schemas.openxmlformats.org/officeDocument/2006/relationships" xmlns:p="http://schemas.openxmlformats.org/presentationml/2006/main" xmlns:m="http://schemas.openxmlformats.org/officeDocument/2006/math" xmlns:a14="http://schemas.microsoft.com/office/drawing/2010/main" showMasterSp="1" showMasterPhAnim="1">
-  <p:cSld>
-    <p:spTree>
-      <p:nvGrpSpPr>
-        <p:cNvPr id="1" name=""/>
-        <p:cNvGrpSpPr/>
-        <p:nvPr/>
-      </p:nvGrpSpPr>
-      <p:grpSpPr>
-        <a:xfrm>
-          <a:off x="0" y="0"/>
-          <a:ext cx="0" cy="0"/>
-          <a:chOff x="0" y="0"/>
-          <a:chExt cx="0" cy="0"/>
-        </a:xfrm>
-      </p:grpSpPr>
-      <p:sp>
-        <p:nvSpPr>
-          <p:cNvPr id="185" name="Realizace"/>
-          <p:cNvSpPr txBox="1"/>
-          <p:nvPr>
-            <p:ph type="title"/>
-          </p:nvPr>
-        </p:nvSpPr>
-        <p:spPr>
-          <a:prstGeom prst="rect">
-            <a:avLst/>
-          </a:prstGeom>
-        </p:spPr>
-        <p:txBody>
-          <a:bodyPr/>
-          <a:lstStyle/>
-          <a:p>
-            <a:pPr/>
-            <a:r>
-              <a:t>Realizace</a:t>
-            </a:r>
-          </a:p>
-        </p:txBody>
-      </p:sp>
-      <p:pic>
-        <p:nvPicPr>
-          <p:cNvPr id="186" name="Image" descr="Image"/>
-          <p:cNvPicPr>
-            <a:picLocks noChangeAspect="1"/>
-          </p:cNvPicPr>
-          <p:nvPr/>
-        </p:nvPicPr>
-        <p:blipFill>
-          <a:blip r:embed="rId2">
-            <a:extLst/>
-          </a:blip>
-          <a:stretch>
-            <a:fillRect/>
-          </a:stretch>
-        </p:blipFill>
-        <p:spPr>
-          <a:xfrm>
-            <a:off x="4448943" y="3799411"/>
-            <a:ext cx="13564621" cy="9154197"/>
-          </a:xfrm>
-          <a:prstGeom prst="rect">
-            <a:avLst/>
-          </a:prstGeom>
-          <a:ln w="12700">
-            <a:miter lim="400000"/>
-          </a:ln>
-        </p:spPr>
-      </p:pic>
-      <p:sp>
-        <p:nvSpPr>
-          <p:cNvPr id="187" name="Node.h"/>
-          <p:cNvSpPr txBox="1"/>
-          <p:nvPr/>
-        </p:nvSpPr>
-        <p:spPr>
-          <a:xfrm>
-            <a:off x="1206500" y="2372962"/>
-            <a:ext cx="21971000" cy="934780"/>
-          </a:xfrm>
-          <a:prstGeom prst="rect">
-            <a:avLst/>
-          </a:prstGeom>
-          <a:ln w="12700">
-            <a:miter lim="400000"/>
-          </a:ln>
-          <a:extLst>
-            <a:ext uri="{C572A759-6A51-4108-AA02-DFA0A04FC94B}">
-              <ma14:wrappingTextBoxFlag xmlns:ma14="http://schemas.microsoft.com/office/mac/drawingml/2011/main" val="1"/>
-            </a:ext>
-          </a:extLst>
-        </p:spPr>
-        <p:txBody>
-          <a:bodyPr lIns="45719" rIns="45719">
-            <a:normAutofit fontScale="100000" lnSpcReduction="0"/>
-          </a:bodyPr>
-          <a:lstStyle>
-            <a:lvl1pPr algn="l" defTabSz="825500">
-              <a:defRPr b="1" i="1" sz="5500">
-                <a:solidFill>
-                  <a:srgbClr val="000000"/>
-                </a:solidFill>
-              </a:defRPr>
-            </a:lvl1pPr>
-          </a:lstStyle>
-          <a:p>
-            <a:pPr/>
-            <a:r>
-              <a:t>Node.h</a:t>
-            </a:r>
-          </a:p>
-        </p:txBody>
-      </p:sp>
-    </p:spTree>
-  </p:cSld>
-  <p:clrMapOvr>
-    <a:masterClrMapping/>
-  </p:clrMapOvr>
-  <p:transition xmlns:p14="http://schemas.microsoft.com/office/powerpoint/2010/main" spd="med" advClick="1"/>
-</p:sld>
-</file>
-
-<file path=ppt/slides/slide7.xml><?xml version="1.0" encoding="utf-8"?>
-<p:sld xmlns:a="http://schemas.openxmlformats.org/drawingml/2006/main" xmlns:r="http://schemas.openxmlformats.org/officeDocument/2006/relationships" xmlns:p="http://schemas.openxmlformats.org/presentationml/2006/main" xmlns:m="http://schemas.openxmlformats.org/officeDocument/2006/math" xmlns:a14="http://schemas.microsoft.com/office/drawing/2010/main" showMasterSp="1" showMasterPhAnim="1">
-  <p:cSld>
-    <p:spTree>
-      <p:nvGrpSpPr>
-        <p:cNvPr id="1" name=""/>
-        <p:cNvGrpSpPr/>
-        <p:nvPr/>
-      </p:nvGrpSpPr>
-      <p:grpSpPr>
-        <a:xfrm>
-          <a:off x="0" y="0"/>
-          <a:ext cx="0" cy="0"/>
-          <a:chOff x="0" y="0"/>
-          <a:chExt cx="0" cy="0"/>
-        </a:xfrm>
-      </p:grpSpPr>
-      <p:sp>
-        <p:nvSpPr>
-          <p:cNvPr id="189" name="Realizace"/>
-          <p:cNvSpPr txBox="1"/>
-          <p:nvPr>
-            <p:ph type="title"/>
-          </p:nvPr>
-        </p:nvSpPr>
-        <p:spPr>
-          <a:prstGeom prst="rect">
-            <a:avLst/>
-          </a:prstGeom>
-        </p:spPr>
-        <p:txBody>
-          <a:bodyPr/>
-          <a:lstStyle/>
-          <a:p>
-            <a:pPr/>
-            <a:r>
-              <a:t>Realizace</a:t>
-            </a:r>
-          </a:p>
-        </p:txBody>
-      </p:sp>
-      <p:sp>
-        <p:nvSpPr>
-          <p:cNvPr id="190" name="Node_EN.h"/>
-          <p:cNvSpPr txBox="1"/>
-          <p:nvPr>
-            <p:ph type="body" idx="21"/>
-          </p:nvPr>
-        </p:nvSpPr>
-        <p:spPr>
-          <a:prstGeom prst="rect">
-            <a:avLst/>
-          </a:prstGeom>
-          <a:extLst>
-            <a:ext uri="{C572A759-6A51-4108-AA02-DFA0A04FC94B}">
-              <ma14:wrappingTextBoxFlag xmlns:ma14="http://schemas.microsoft.com/office/mac/drawingml/2011/main" val="1"/>
-            </a:ext>
-          </a:extLst>
-        </p:spPr>
-        <p:txBody>
-          <a:bodyPr/>
-          <a:lstStyle>
-            <a:lvl1pPr>
-              <a:defRPr i="1"/>
-            </a:lvl1pPr>
-          </a:lstStyle>
-          <a:p>
-            <a:pPr/>
-            <a:r>
-              <a:t>Node_EN.h</a:t>
-            </a:r>
-          </a:p>
-        </p:txBody>
-      </p:sp>
-      <p:pic>
-        <p:nvPicPr>
-          <p:cNvPr id="191" name="Image" descr="Image"/>
-          <p:cNvPicPr>
-            <a:picLocks noChangeAspect="1"/>
-          </p:cNvPicPr>
-          <p:nvPr/>
-        </p:nvPicPr>
-        <p:blipFill>
-          <a:blip r:embed="rId2">
-            <a:extLst/>
-          </a:blip>
-          <a:stretch>
-            <a:fillRect/>
-          </a:stretch>
-        </p:blipFill>
-        <p:spPr>
-          <a:xfrm>
-            <a:off x="3916783" y="3780397"/>
-            <a:ext cx="16926218" cy="8490235"/>
-          </a:xfrm>
-          <a:prstGeom prst="rect">
-            <a:avLst/>
-          </a:prstGeom>
-          <a:ln w="12700">
-            <a:miter lim="400000"/>
-          </a:ln>
-        </p:spPr>
-      </p:pic>
-    </p:spTree>
-  </p:cSld>
-  <p:clrMapOvr>
-    <a:masterClrMapping/>
-  </p:clrMapOvr>
-  <p:transition xmlns:p14="http://schemas.microsoft.com/office/powerpoint/2010/main" spd="med" advClick="1"/>
-</p:sld>
-</file>
-
 <file path=ppt/slides/slide8.xml><?xml version="1.0" encoding="utf-8"?>
 <p:sld xmlns:a="http://schemas.openxmlformats.org/drawingml/2006/main" xmlns:r="http://schemas.openxmlformats.org/officeDocument/2006/relationships" xmlns:p="http://schemas.openxmlformats.org/presentationml/2006/main" xmlns:m="http://schemas.openxmlformats.org/officeDocument/2006/math" xmlns:a14="http://schemas.microsoft.com/office/drawing/2010/main" showMasterSp="1" showMasterPhAnim="1">
   <p:cSld>
@@ -5479,7 +6886,7 @@
       </p:grpSpPr>
       <p:sp>
         <p:nvSpPr>
-          <p:cNvPr id="193" name="Realizace"/>
+          <p:cNvPr id="219" name="Realizace"/>
           <p:cNvSpPr txBox="1"/>
           <p:nvPr>
             <p:ph type="title"/>
@@ -5501,42 +6908,9 @@
           </a:p>
         </p:txBody>
       </p:sp>
-      <p:sp>
-        <p:nvSpPr>
-          <p:cNvPr id="194" name="BST.h &amp; BST_En.h"/>
-          <p:cNvSpPr txBox="1"/>
-          <p:nvPr>
-            <p:ph type="body" idx="21"/>
-          </p:nvPr>
-        </p:nvSpPr>
-        <p:spPr>
-          <a:prstGeom prst="rect">
-            <a:avLst/>
-          </a:prstGeom>
-          <a:extLst>
-            <a:ext uri="{C572A759-6A51-4108-AA02-DFA0A04FC94B}">
-              <ma14:wrappingTextBoxFlag xmlns:ma14="http://schemas.microsoft.com/office/mac/drawingml/2011/main" val="1"/>
-            </a:ext>
-          </a:extLst>
-        </p:spPr>
-        <p:txBody>
-          <a:bodyPr/>
-          <a:lstStyle>
-            <a:lvl1pPr>
-              <a:defRPr i="1"/>
-            </a:lvl1pPr>
-          </a:lstStyle>
-          <a:p>
-            <a:pPr/>
-            <a:r>
-              <a:t>BST.h &amp; BST_En.h</a:t>
-            </a:r>
-          </a:p>
-        </p:txBody>
-      </p:sp>
       <p:pic>
         <p:nvPicPr>
-          <p:cNvPr id="195" name="Image" descr="Image"/>
+          <p:cNvPr id="220" name="Image" descr="Image"/>
           <p:cNvPicPr>
             <a:picLocks noChangeAspect="1"/>
           </p:cNvPicPr>
@@ -5552,8 +6926,8 @@
         </p:blipFill>
         <p:spPr>
           <a:xfrm>
-            <a:off x="1047302" y="4541953"/>
-            <a:ext cx="13130947" cy="6704769"/>
+            <a:off x="4448943" y="3799411"/>
+            <a:ext cx="13564621" cy="9154197"/>
           </a:xfrm>
           <a:prstGeom prst="rect">
             <a:avLst/>
@@ -5563,26 +6937,16 @@
           </a:ln>
         </p:spPr>
       </p:pic>
-      <p:pic>
-        <p:nvPicPr>
-          <p:cNvPr id="196" name="Image" descr="Image"/>
-          <p:cNvPicPr>
-            <a:picLocks noChangeAspect="1"/>
-          </p:cNvPicPr>
+      <p:sp>
+        <p:nvSpPr>
+          <p:cNvPr id="221" name="Node.h"/>
+          <p:cNvSpPr txBox="1"/>
           <p:nvPr/>
-        </p:nvPicPr>
-        <p:blipFill>
-          <a:blip r:embed="rId3">
-            <a:extLst/>
-          </a:blip>
-          <a:stretch>
-            <a:fillRect/>
-          </a:stretch>
-        </p:blipFill>
+        </p:nvSpPr>
         <p:spPr>
           <a:xfrm>
-            <a:off x="14535387" y="4582386"/>
-            <a:ext cx="8801311" cy="6623903"/>
+            <a:off x="1206500" y="2372962"/>
+            <a:ext cx="21971000" cy="934780"/>
           </a:xfrm>
           <a:prstGeom prst="rect">
             <a:avLst/>
@@ -5590,8 +6954,33 @@
           <a:ln w="12700">
             <a:miter lim="400000"/>
           </a:ln>
-        </p:spPr>
-      </p:pic>
+          <a:extLst>
+            <a:ext uri="{C572A759-6A51-4108-AA02-DFA0A04FC94B}">
+              <ma14:wrappingTextBoxFlag xmlns:ma14="http://schemas.microsoft.com/office/mac/drawingml/2011/main" val="1"/>
+            </a:ext>
+          </a:extLst>
+        </p:spPr>
+        <p:txBody>
+          <a:bodyPr lIns="45719" rIns="45719">
+            <a:normAutofit fontScale="100000" lnSpcReduction="0"/>
+          </a:bodyPr>
+          <a:lstStyle>
+            <a:lvl1pPr algn="l" defTabSz="825500">
+              <a:defRPr b="1" i="1" sz="5500">
+                <a:solidFill>
+                  <a:srgbClr val="000000"/>
+                </a:solidFill>
+              </a:defRPr>
+            </a:lvl1pPr>
+          </a:lstStyle>
+          <a:p>
+            <a:pPr/>
+            <a:r>
+              <a:t>Node.h</a:t>
+            </a:r>
+          </a:p>
+        </p:txBody>
+      </p:sp>
     </p:spTree>
   </p:cSld>
   <p:clrMapOvr>
@@ -5620,7 +7009,7 @@
       </p:grpSpPr>
       <p:sp>
         <p:nvSpPr>
-          <p:cNvPr id="198" name="Poznamki"/>
+          <p:cNvPr id="223" name="Realizace"/>
           <p:cNvSpPr txBox="1"/>
           <p:nvPr>
             <p:ph type="title"/>
@@ -5637,47 +7026,73 @@
           <a:p>
             <a:pPr/>
             <a:r>
-              <a:t>Poznamki</a:t>
-            </a:r>
-          </a:p>
-        </p:txBody>
-      </p:sp>
-      <p:sp>
-        <p:nvSpPr>
-          <p:cNvPr id="199" name="Proč nevyvážený…"/>
+              <a:t>Realizace</a:t>
+            </a:r>
+          </a:p>
+        </p:txBody>
+      </p:sp>
+      <p:sp>
+        <p:nvSpPr>
+          <p:cNvPr id="224" name="Node_EN.h"/>
           <p:cNvSpPr txBox="1"/>
           <p:nvPr>
-            <p:ph type="body" idx="1"/>
+            <p:ph type="body" idx="21"/>
           </p:nvPr>
         </p:nvSpPr>
         <p:spPr>
           <a:prstGeom prst="rect">
             <a:avLst/>
           </a:prstGeom>
+          <a:extLst>
+            <a:ext uri="{C572A759-6A51-4108-AA02-DFA0A04FC94B}">
+              <ma14:wrappingTextBoxFlag xmlns:ma14="http://schemas.microsoft.com/office/mac/drawingml/2011/main" val="1"/>
+            </a:ext>
+          </a:extLst>
         </p:spPr>
         <p:txBody>
           <a:bodyPr/>
-          <a:lstStyle/>
-          <a:p>
-            <a:pPr/>
-            <a:r>
-              <a:t>Proč nevyvážený</a:t>
-            </a:r>
-          </a:p>
-          <a:p>
-            <a:pPr/>
-            <a:r>
-              <a:t>Proč 2 stromy</a:t>
-            </a:r>
-          </a:p>
-          <a:p>
-            <a:pPr/>
-            <a:r>
-              <a:t>Co vylepšit (kolizie)</a:t>
-            </a:r>
-          </a:p>
-        </p:txBody>
-      </p:sp>
+          <a:lstStyle>
+            <a:lvl1pPr>
+              <a:defRPr i="1"/>
+            </a:lvl1pPr>
+          </a:lstStyle>
+          <a:p>
+            <a:pPr/>
+            <a:r>
+              <a:t>Node_EN.h</a:t>
+            </a:r>
+          </a:p>
+        </p:txBody>
+      </p:sp>
+      <p:pic>
+        <p:nvPicPr>
+          <p:cNvPr id="225" name="Image" descr="Image"/>
+          <p:cNvPicPr>
+            <a:picLocks noChangeAspect="1"/>
+          </p:cNvPicPr>
+          <p:nvPr/>
+        </p:nvPicPr>
+        <p:blipFill>
+          <a:blip r:embed="rId2">
+            <a:extLst/>
+          </a:blip>
+          <a:stretch>
+            <a:fillRect/>
+          </a:stretch>
+        </p:blipFill>
+        <p:spPr>
+          <a:xfrm>
+            <a:off x="3916783" y="3780397"/>
+            <a:ext cx="16926218" cy="8490235"/>
+          </a:xfrm>
+          <a:prstGeom prst="rect">
+            <a:avLst/>
+          </a:prstGeom>
+          <a:ln w="12700">
+            <a:miter lim="400000"/>
+          </a:ln>
+        </p:spPr>
+      </p:pic>
     </p:spTree>
   </p:cSld>
   <p:clrMapOvr>
